--- a/output/presentacion_elmundo.pptx
+++ b/output/presentacion_elmundo.pptx
@@ -5,7 +5,7 @@
     <p:sldMasterId id="2147483648" r:id="rId1"/>
   </p:sldMasterIdLst>
   <p:notesMasterIdLst>
-    <p:notesMasterId r:id="rId27"/>
+    <p:notesMasterId r:id="rId26"/>
   </p:notesMasterIdLst>
   <p:sldIdLst>
     <p:sldId id="257" r:id="rId2"/>
@@ -29,10 +29,9 @@
     <p:sldId id="280" r:id="rId20"/>
     <p:sldId id="281" r:id="rId21"/>
     <p:sldId id="282" r:id="rId22"/>
-    <p:sldId id="283" r:id="rId23"/>
-    <p:sldId id="284" r:id="rId24"/>
-    <p:sldId id="285" r:id="rId25"/>
-    <p:sldId id="286" r:id="rId26"/>
+    <p:sldId id="287" r:id="rId23"/>
+    <p:sldId id="285" r:id="rId24"/>
+    <p:sldId id="286" r:id="rId25"/>
   </p:sldIdLst>
   <p:sldSz cx="12192000" cy="6858000"/>
   <p:notesSz cx="6858000" cy="9144000"/>
@@ -168,34 +167,6 @@
 </file>
 
 <file path=ppt/ink/ink2.xml><?xml version="1.0" encoding="utf-8"?>
-<inkml:ink xmlns:inkml="http://www.w3.org/2003/InkML">
-  <inkml:definitions>
-    <inkml:context xml:id="ctx0">
-      <inkml:inkSource xml:id="inkSrc0">
-        <inkml:traceFormat>
-          <inkml:channel name="X" type="integer" min="-2.14748E9" max="2.14748E9" units="cm"/>
-          <inkml:channel name="Y" type="integer" min="-2.14748E9" max="2.14748E9" units="cm"/>
-        </inkml:traceFormat>
-        <inkml:channelProperties>
-          <inkml:channelProperty channel="X" name="resolution" value="1000" units="1/cm"/>
-          <inkml:channelProperty channel="Y" name="resolution" value="1000" units="1/cm"/>
-        </inkml:channelProperties>
-      </inkml:inkSource>
-      <inkml:timestamp xml:id="ts0" timeString="2021-07-30T16:21:33.043"/>
-    </inkml:context>
-    <inkml:brush xml:id="br0">
-      <inkml:brushProperty name="width" value="0.3" units="cm"/>
-      <inkml:brushProperty name="height" value="0.6" units="cm"/>
-      <inkml:brushProperty name="color" value="#FFFC00"/>
-      <inkml:brushProperty name="tip" value="rectangle"/>
-      <inkml:brushProperty name="rasterOp" value="maskPen"/>
-    </inkml:brush>
-  </inkml:definitions>
-  <inkml:trace contextRef="#ctx0" brushRef="#br0">1 5,'37'3,"-5"1,-26-3,7 3,4-3,-3 1,6-2,-8 2,3-2,3 3,-5-3,5 0,-3 0,0 0,5 0,-8 0,6 0,-4 0,1 0,2 0,-3 0,3 0,-3 0,3 0,-3 0,3 0,0 0,0-3,0 3,-3-4,0 3,3-1,-2 2,1 0,-1 0,1 0,-1-4,2 1,-3-2,0 3,3 2,0 0</inkml:trace>
-</inkml:ink>
-</file>
-
-<file path=ppt/ink/ink3.xml><?xml version="1.0" encoding="utf-8"?>
 <inkml:ink xmlns:inkml="http://www.w3.org/2003/InkML">
   <inkml:definitions>
     <inkml:context xml:id="ctx0">
@@ -34376,7 +34347,7 @@
         <p:spPr>
           <a:xfrm>
             <a:off x="5135880" y="3657600"/>
-            <a:ext cx="2209800" cy="646331"/>
+            <a:ext cx="2209800" cy="369332"/>
           </a:xfrm>
           <a:prstGeom prst="rect">
             <a:avLst/>
@@ -34390,26 +34361,9 @@
           <a:lstStyle/>
           <a:p>
             <a:r>
-              <a:rPr lang="es-ES" dirty="0" err="1"/>
-              <a:t>Random</a:t>
+              <a:rPr lang="es-ES" dirty="0"/>
+              <a:t>SVC</a:t>
             </a:r>
-            <a:r>
-              <a:rPr lang="es-ES" dirty="0"/>
-              <a:t> </a:t>
-            </a:r>
-            <a:r>
-              <a:rPr lang="es-ES" dirty="0" err="1"/>
-              <a:t>Forest</a:t>
-            </a:r>
-            <a:r>
-              <a:rPr lang="es-ES" dirty="0"/>
-              <a:t> </a:t>
-            </a:r>
-            <a:r>
-              <a:rPr lang="es-ES" dirty="0" err="1"/>
-              <a:t>Classifier</a:t>
-            </a:r>
-            <a:endParaRPr lang="es-ES" dirty="0"/>
           </a:p>
         </p:txBody>
       </p:sp>
@@ -34926,7 +34880,7 @@
         </p:nvSpPr>
         <p:spPr>
           <a:xfrm>
-            <a:off x="4654296" y="219855"/>
+            <a:off x="4824153" y="435001"/>
             <a:ext cx="6832600" cy="369332"/>
           </a:xfrm>
           <a:prstGeom prst="rect">
@@ -34952,7 +34906,7 @@
           <p:cNvPr id="4" name="Imagen 3" descr="Tabla&#10;&#10;Descripción generada automáticamente">
             <a:extLst>
               <a:ext uri="{FF2B5EF4-FFF2-40B4-BE49-F238E27FC236}">
-                <a16:creationId xmlns:a16="http://schemas.microsoft.com/office/drawing/2014/main" id="{6EBC47AA-79BE-DA40-A39C-21C750228778}"/>
+                <a16:creationId xmlns:a16="http://schemas.microsoft.com/office/drawing/2014/main" id="{B12F02B8-FE05-8440-8367-DCDFC29C5A08}"/>
               </a:ext>
             </a:extLst>
           </p:cNvPr>
@@ -34969,8 +34923,8 @@
         </p:blipFill>
         <p:spPr>
           <a:xfrm>
-            <a:off x="4994148" y="1225550"/>
-            <a:ext cx="6858000" cy="4406900"/>
+            <a:off x="4848539" y="1621366"/>
+            <a:ext cx="7264400" cy="4419600"/>
           </a:xfrm>
           <a:prstGeom prst="rect">
             <a:avLst/>
@@ -34980,7 +34934,7 @@
     </p:spTree>
     <p:extLst>
       <p:ext uri="{BB962C8B-B14F-4D97-AF65-F5344CB8AC3E}">
-        <p14:creationId xmlns:p14="http://schemas.microsoft.com/office/powerpoint/2010/main" val="2665871810"/>
+        <p14:creationId xmlns:p14="http://schemas.microsoft.com/office/powerpoint/2010/main" val="3906348574"/>
       </p:ext>
     </p:extLst>
   </p:cSld>
@@ -35212,363 +35166,8 @@
           </a:p>
         </p:txBody>
       </p:sp>
-      <p:pic>
-        <p:nvPicPr>
-          <p:cNvPr id="6" name="Imagen 5" descr="Tabla&#10;&#10;Descripción generada automáticamente">
-            <a:extLst>
-              <a:ext uri="{FF2B5EF4-FFF2-40B4-BE49-F238E27FC236}">
-                <a16:creationId xmlns:a16="http://schemas.microsoft.com/office/drawing/2014/main" id="{FCE41FDB-BE4E-4A41-A350-904201888265}"/>
-              </a:ext>
-            </a:extLst>
-          </p:cNvPr>
-          <p:cNvPicPr>
-            <a:picLocks noChangeAspect="1"/>
-          </p:cNvPicPr>
-          <p:nvPr/>
-        </p:nvPicPr>
-        <p:blipFill>
-          <a:blip r:embed="rId2"/>
-          <a:stretch>
-            <a:fillRect/>
-          </a:stretch>
-        </p:blipFill>
-        <p:spPr>
-          <a:xfrm>
-            <a:off x="4796028" y="804333"/>
-            <a:ext cx="7010400" cy="2146300"/>
-          </a:xfrm>
-          <a:prstGeom prst="rect">
-            <a:avLst/>
-          </a:prstGeom>
-        </p:spPr>
-      </p:pic>
-      <mc:AlternateContent xmlns:mc="http://schemas.openxmlformats.org/markup-compatibility/2006">
-        <mc:Choice xmlns:p14="http://schemas.microsoft.com/office/powerpoint/2010/main" Requires="p14">
-          <p:contentPart p14:bwMode="auto" r:id="rId3">
-            <p14:nvContentPartPr>
-              <p14:cNvPr id="8" name="Entrada de lápiz 7">
-                <a:extLst>
-                  <a:ext uri="{FF2B5EF4-FFF2-40B4-BE49-F238E27FC236}">
-                    <a16:creationId xmlns:a16="http://schemas.microsoft.com/office/drawing/2014/main" id="{27D9CB86-4D97-FE43-B871-318AB5919544}"/>
-                  </a:ext>
-                </a:extLst>
-              </p14:cNvPr>
-              <p14:cNvContentPartPr/>
-              <p14:nvPr/>
-            </p14:nvContentPartPr>
-            <p14:xfrm>
-              <a:off x="7610671" y="2629229"/>
-              <a:ext cx="247320" cy="9000"/>
-            </p14:xfrm>
-          </p:contentPart>
-        </mc:Choice>
-        <mc:Fallback>
-          <p:pic>
-            <p:nvPicPr>
-              <p:cNvPr id="8" name="Entrada de lápiz 7">
-                <a:extLst>
-                  <a:ext uri="{FF2B5EF4-FFF2-40B4-BE49-F238E27FC236}">
-                    <a16:creationId xmlns:a16="http://schemas.microsoft.com/office/drawing/2014/main" id="{27D9CB86-4D97-FE43-B871-318AB5919544}"/>
-                  </a:ext>
-                </a:extLst>
-              </p:cNvPr>
-              <p:cNvPicPr/>
-              <p:nvPr/>
-            </p:nvPicPr>
-            <p:blipFill>
-              <a:blip r:embed="rId4"/>
-              <a:stretch>
-                <a:fillRect/>
-              </a:stretch>
-            </p:blipFill>
-            <p:spPr>
-              <a:xfrm>
-                <a:off x="7557031" y="2521589"/>
-                <a:ext cx="354960" cy="224640"/>
-              </a:xfrm>
-              <a:prstGeom prst="rect">
-                <a:avLst/>
-              </a:prstGeom>
-            </p:spPr>
-          </p:pic>
-        </mc:Fallback>
-      </mc:AlternateContent>
-      <p:sp>
-        <p:nvSpPr>
-          <p:cNvPr id="10" name="CuadroTexto 9">
-            <a:extLst>
-              <a:ext uri="{FF2B5EF4-FFF2-40B4-BE49-F238E27FC236}">
-                <a16:creationId xmlns:a16="http://schemas.microsoft.com/office/drawing/2014/main" id="{DB24F7AE-8E6C-E54E-8B18-B757592E8EFD}"/>
-              </a:ext>
-            </a:extLst>
-          </p:cNvPr>
-          <p:cNvSpPr txBox="1"/>
-          <p:nvPr/>
-        </p:nvSpPr>
-        <p:spPr>
-          <a:xfrm>
-            <a:off x="5169408" y="4364736"/>
-            <a:ext cx="3304032" cy="369332"/>
-          </a:xfrm>
-          <a:prstGeom prst="rect">
-            <a:avLst/>
-          </a:prstGeom>
-          <a:noFill/>
-        </p:spPr>
-        <p:txBody>
-          <a:bodyPr wrap="square" rtlCol="0">
-            <a:spAutoFit/>
-          </a:bodyPr>
-          <a:lstStyle/>
-          <a:p>
-            <a:r>
-              <a:rPr lang="es-ES" dirty="0" err="1"/>
-              <a:t>Accuracy</a:t>
-            </a:r>
-            <a:r>
-              <a:rPr lang="es-ES" dirty="0"/>
-              <a:t> 0,82</a:t>
-            </a:r>
-          </a:p>
-        </p:txBody>
-      </p:sp>
-    </p:spTree>
-    <p:extLst>
-      <p:ext uri="{BB962C8B-B14F-4D97-AF65-F5344CB8AC3E}">
-        <p14:creationId xmlns:p14="http://schemas.microsoft.com/office/powerpoint/2010/main" val="1830043304"/>
-      </p:ext>
-    </p:extLst>
-  </p:cSld>
-  <p:clrMapOvr>
-    <a:masterClrMapping/>
-  </p:clrMapOvr>
-</p:sld>
-</file>
-
-<file path=ppt/slides/slide24.xml><?xml version="1.0" encoding="utf-8"?>
-<p:sld xmlns:a="http://schemas.openxmlformats.org/drawingml/2006/main" xmlns:r="http://schemas.openxmlformats.org/officeDocument/2006/relationships" xmlns:p="http://schemas.openxmlformats.org/presentationml/2006/main">
-  <p:cSld>
-    <p:bg>
-      <p:bgPr>
-        <a:solidFill>
-          <a:schemeClr val="bg1"/>
-        </a:solidFill>
-        <a:effectLst/>
-      </p:bgPr>
-    </p:bg>
-    <p:spTree>
-      <p:nvGrpSpPr>
-        <p:cNvPr id="1" name=""/>
-        <p:cNvGrpSpPr/>
-        <p:nvPr/>
-      </p:nvGrpSpPr>
-      <p:grpSpPr>
-        <a:xfrm>
-          <a:off x="0" y="0"/>
-          <a:ext cx="0" cy="0"/>
-          <a:chOff x="0" y="0"/>
-          <a:chExt cx="0" cy="0"/>
-        </a:xfrm>
-      </p:grpSpPr>
-      <p:sp useBgFill="1">
-        <p:nvSpPr>
-          <p:cNvPr id="9" name="Rectangle 8">
-            <a:extLst>
-              <a:ext uri="{FF2B5EF4-FFF2-40B4-BE49-F238E27FC236}">
-                <a16:creationId xmlns:a16="http://schemas.microsoft.com/office/drawing/2014/main" id="{39E4C68A-A4A9-48A4-9FF2-D2896B1EA01F}"/>
-              </a:ext>
-              <a:ext uri="{C183D7F6-B498-43B3-948B-1728B52AA6E4}">
-                <adec:decorative xmlns:adec="http://schemas.microsoft.com/office/drawing/2017/decorative" val="1"/>
-              </a:ext>
-            </a:extLst>
-          </p:cNvPr>
-          <p:cNvSpPr>
-            <a:spLocks noGrp="1" noRot="1" noChangeAspect="1" noMove="1" noResize="1" noEditPoints="1" noAdjustHandles="1" noChangeArrowheads="1" noChangeShapeType="1" noTextEdit="1"/>
-          </p:cNvSpPr>
-          <p:nvPr>
-            <p:extLst>
-              <p:ext uri="{386F3935-93C4-4BCD-93E2-E3B085C9AB24}">
-                <p16:designElem xmlns:p16="http://schemas.microsoft.com/office/powerpoint/2015/main" val="1"/>
-              </p:ext>
-            </p:extLst>
-          </p:nvPr>
-        </p:nvSpPr>
-        <p:spPr>
-          <a:xfrm>
-            <a:off x="0" y="0"/>
-            <a:ext cx="12192000" cy="6858000"/>
-          </a:xfrm>
-          <a:prstGeom prst="rect">
-            <a:avLst/>
-          </a:prstGeom>
-          <a:ln>
-            <a:noFill/>
-          </a:ln>
-        </p:spPr>
-        <p:style>
-          <a:lnRef idx="2">
-            <a:schemeClr val="accent1">
-              <a:shade val="50000"/>
-            </a:schemeClr>
-          </a:lnRef>
-          <a:fillRef idx="1">
-            <a:schemeClr val="accent1"/>
-          </a:fillRef>
-          <a:effectRef idx="0">
-            <a:schemeClr val="accent1"/>
-          </a:effectRef>
-          <a:fontRef idx="minor">
-            <a:schemeClr val="lt1"/>
-          </a:fontRef>
-        </p:style>
-        <p:txBody>
-          <a:bodyPr rtlCol="0" anchor="ctr"/>
-          <a:lstStyle/>
-          <a:p>
-            <a:pPr algn="ctr"/>
-            <a:endParaRPr lang="en-US"/>
-          </a:p>
-        </p:txBody>
-      </p:sp>
-      <p:sp>
-        <p:nvSpPr>
-          <p:cNvPr id="11" name="Rectangle 10">
-            <a:extLst>
-              <a:ext uri="{FF2B5EF4-FFF2-40B4-BE49-F238E27FC236}">
-                <a16:creationId xmlns:a16="http://schemas.microsoft.com/office/drawing/2014/main" id="{E2B9AEA5-52CB-49A6-AF8A-33502F291B91}"/>
-              </a:ext>
-              <a:ext uri="{C183D7F6-B498-43B3-948B-1728B52AA6E4}">
-                <adec:decorative xmlns:adec="http://schemas.microsoft.com/office/drawing/2017/decorative" val="1"/>
-              </a:ext>
-            </a:extLst>
-          </p:cNvPr>
-          <p:cNvSpPr>
-            <a:spLocks noGrp="1" noRot="1" noChangeAspect="1" noMove="1" noResize="1" noEditPoints="1" noAdjustHandles="1" noChangeArrowheads="1" noChangeShapeType="1" noTextEdit="1"/>
-          </p:cNvSpPr>
-          <p:nvPr>
-            <p:extLst>
-              <p:ext uri="{386F3935-93C4-4BCD-93E2-E3B085C9AB24}">
-                <p16:designElem xmlns:p16="http://schemas.microsoft.com/office/powerpoint/2015/main" val="1"/>
-              </p:ext>
-            </p:extLst>
-          </p:nvPr>
-        </p:nvSpPr>
-        <p:spPr>
-          <a:xfrm>
-            <a:off x="0" y="0"/>
-            <a:ext cx="4654296" cy="6858000"/>
-          </a:xfrm>
-          <a:prstGeom prst="rect">
-            <a:avLst/>
-          </a:prstGeom>
-          <a:ln>
-            <a:noFill/>
-          </a:ln>
-        </p:spPr>
-        <p:style>
-          <a:lnRef idx="2">
-            <a:schemeClr val="accent1">
-              <a:shade val="50000"/>
-            </a:schemeClr>
-          </a:lnRef>
-          <a:fillRef idx="1">
-            <a:schemeClr val="accent1"/>
-          </a:fillRef>
-          <a:effectRef idx="0">
-            <a:schemeClr val="accent1"/>
-          </a:effectRef>
-          <a:fontRef idx="minor">
-            <a:schemeClr val="lt1"/>
-          </a:fontRef>
-        </p:style>
-        <p:txBody>
-          <a:bodyPr rtlCol="0" anchor="ctr"/>
-          <a:lstStyle/>
-          <a:p>
-            <a:pPr algn="ctr"/>
-            <a:endParaRPr lang="en-US"/>
-          </a:p>
-        </p:txBody>
-      </p:sp>
-      <p:sp>
-        <p:nvSpPr>
-          <p:cNvPr id="2" name="Title 1"/>
-          <p:cNvSpPr>
-            <a:spLocks noGrp="1"/>
-          </p:cNvSpPr>
-          <p:nvPr>
-            <p:ph type="title"/>
-          </p:nvPr>
-        </p:nvSpPr>
-        <p:spPr>
-          <a:xfrm>
-            <a:off x="964788" y="804333"/>
-            <a:ext cx="3391900" cy="5249334"/>
-          </a:xfrm>
-        </p:spPr>
-        <p:txBody>
-          <a:bodyPr>
-            <a:normAutofit/>
-          </a:bodyPr>
-          <a:lstStyle/>
-          <a:p>
-            <a:pPr algn="r"/>
-            <a:r>
-              <a:rPr lang="en-US" dirty="0" err="1">
-                <a:solidFill>
-                  <a:srgbClr val="FFFFFF"/>
-                </a:solidFill>
-              </a:rPr>
-              <a:t>modelo</a:t>
-            </a:r>
-            <a:r>
-              <a:rPr lang="en-US" dirty="0">
-                <a:solidFill>
-                  <a:srgbClr val="FFFFFF"/>
-                </a:solidFill>
-              </a:rPr>
-              <a:t>		</a:t>
-            </a:r>
-          </a:p>
-        </p:txBody>
-      </p:sp>
-      <p:sp>
-        <p:nvSpPr>
-          <p:cNvPr id="3" name="CuadroTexto 2">
-            <a:extLst>
-              <a:ext uri="{FF2B5EF4-FFF2-40B4-BE49-F238E27FC236}">
-                <a16:creationId xmlns:a16="http://schemas.microsoft.com/office/drawing/2014/main" id="{4AF5825B-55FF-0D4E-9761-E4B7F1F11AAC}"/>
-              </a:ext>
-            </a:extLst>
-          </p:cNvPr>
-          <p:cNvSpPr txBox="1"/>
-          <p:nvPr/>
-        </p:nvSpPr>
-        <p:spPr>
-          <a:xfrm>
-            <a:off x="4994148" y="243443"/>
-            <a:ext cx="2061334" cy="369332"/>
-          </a:xfrm>
-          <a:prstGeom prst="rect">
-            <a:avLst/>
-          </a:prstGeom>
-          <a:noFill/>
-        </p:spPr>
-        <p:txBody>
-          <a:bodyPr wrap="none" rtlCol="0">
-            <a:spAutoFit/>
-          </a:bodyPr>
-          <a:lstStyle/>
-          <a:p>
-            <a:r>
-              <a:rPr lang="es-ES" dirty="0"/>
-              <a:t>Resultados con LSTM</a:t>
-            </a:r>
-          </a:p>
-        </p:txBody>
-      </p:sp>
-      <mc:AlternateContent xmlns:mc="http://schemas.openxmlformats.org/markup-compatibility/2006">
-        <mc:Choice xmlns:p14="http://schemas.microsoft.com/office/powerpoint/2010/main" Requires="p14">
+      <mc:AlternateContent xmlns:mc="http://schemas.openxmlformats.org/markup-compatibility/2006" xmlns:p14="http://schemas.microsoft.com/office/powerpoint/2010/main">
+        <mc:Choice Requires="p14">
           <p:contentPart p14:bwMode="auto" r:id="rId2">
             <p14:nvContentPartPr>
               <p14:cNvPr id="8" name="Entrada de lápiz 7">
@@ -35587,7 +35186,7 @@
             </p14:xfrm>
           </p:contentPart>
         </mc:Choice>
-        <mc:Fallback>
+        <mc:Fallback xmlns="">
           <p:pic>
             <p:nvPicPr>
               <p:cNvPr id="8" name="Entrada de lápiz 7">
@@ -35687,8 +35286,8 @@
           </a:prstGeom>
         </p:spPr>
       </p:pic>
-      <mc:AlternateContent xmlns:mc="http://schemas.openxmlformats.org/markup-compatibility/2006">
-        <mc:Choice xmlns:p14="http://schemas.microsoft.com/office/powerpoint/2010/main" Requires="p14">
+      <mc:AlternateContent xmlns:mc="http://schemas.openxmlformats.org/markup-compatibility/2006" xmlns:p14="http://schemas.microsoft.com/office/powerpoint/2010/main">
+        <mc:Choice Requires="p14">
           <p:contentPart p14:bwMode="auto" r:id="rId5">
             <p14:nvContentPartPr>
               <p14:cNvPr id="7" name="Entrada de lápiz 6">
@@ -35707,7 +35306,7 @@
             </p14:xfrm>
           </p:contentPart>
         </mc:Choice>
-        <mc:Fallback>
+        <mc:Fallback xmlns="">
           <p:pic>
             <p:nvPicPr>
               <p:cNvPr id="7" name="Entrada de lápiz 6">
@@ -35751,7 +35350,7 @@
 </p:sld>
 </file>
 
-<file path=ppt/slides/slide25.xml><?xml version="1.0" encoding="utf-8"?>
+<file path=ppt/slides/slide24.xml><?xml version="1.0" encoding="utf-8"?>
 <p:sld xmlns:a="http://schemas.openxmlformats.org/drawingml/2006/main" xmlns:r="http://schemas.openxmlformats.org/officeDocument/2006/relationships" xmlns:p="http://schemas.openxmlformats.org/presentationml/2006/main">
   <p:cSld>
     <p:bg>

--- a/output/presentacion_elmundo.pptx
+++ b/output/presentacion_elmundo.pptx
@@ -34015,15 +34015,7 @@
             </a:r>
             <a:r>
               <a:rPr lang="en-US" dirty="0" err="1"/>
-              <a:t>Posibles</a:t>
-            </a:r>
-            <a:r>
-              <a:rPr lang="en-US" dirty="0"/>
-              <a:t> </a:t>
-            </a:r>
-            <a:r>
-              <a:rPr lang="en-US" dirty="0" err="1"/>
-              <a:t>mejoras</a:t>
+              <a:t>Pendientes</a:t>
             </a:r>
             <a:r>
               <a:rPr lang="en-US" dirty="0"/>
